--- a/CV/CV-KP.pptx
+++ b/CV/CV-KP.pptx
@@ -243,7 +243,7 @@
           <a:p>
             <a:fld id="{06519B60-C121-1946-A2A6-F2277F17FD7F}" type="datetimeFigureOut">
               <a:rPr lang="fr-FR" smtClean="0"/>
-              <a:t>09/03/2021</a:t>
+              <a:t>30/03/2021</a:t>
             </a:fld>
             <a:endParaRPr lang="fr-FR"/>
           </a:p>
@@ -408,7 +408,7 @@
           <a:p>
             <a:fld id="{06519B60-C121-1946-A2A6-F2277F17FD7F}" type="datetimeFigureOut">
               <a:rPr lang="fr-FR" smtClean="0"/>
-              <a:t>09/03/2021</a:t>
+              <a:t>30/03/2021</a:t>
             </a:fld>
             <a:endParaRPr lang="fr-FR"/>
           </a:p>
@@ -583,7 +583,7 @@
           <a:p>
             <a:fld id="{06519B60-C121-1946-A2A6-F2277F17FD7F}" type="datetimeFigureOut">
               <a:rPr lang="fr-FR" smtClean="0"/>
-              <a:t>09/03/2021</a:t>
+              <a:t>30/03/2021</a:t>
             </a:fld>
             <a:endParaRPr lang="fr-FR"/>
           </a:p>
@@ -748,7 +748,7 @@
           <a:p>
             <a:fld id="{06519B60-C121-1946-A2A6-F2277F17FD7F}" type="datetimeFigureOut">
               <a:rPr lang="fr-FR" smtClean="0"/>
-              <a:t>09/03/2021</a:t>
+              <a:t>30/03/2021</a:t>
             </a:fld>
             <a:endParaRPr lang="fr-FR"/>
           </a:p>
@@ -987,7 +987,7 @@
           <a:p>
             <a:fld id="{06519B60-C121-1946-A2A6-F2277F17FD7F}" type="datetimeFigureOut">
               <a:rPr lang="fr-FR" smtClean="0"/>
-              <a:t>09/03/2021</a:t>
+              <a:t>30/03/2021</a:t>
             </a:fld>
             <a:endParaRPr lang="fr-FR"/>
           </a:p>
@@ -1214,7 +1214,7 @@
           <a:p>
             <a:fld id="{06519B60-C121-1946-A2A6-F2277F17FD7F}" type="datetimeFigureOut">
               <a:rPr lang="fr-FR" smtClean="0"/>
-              <a:t>09/03/2021</a:t>
+              <a:t>30/03/2021</a:t>
             </a:fld>
             <a:endParaRPr lang="fr-FR"/>
           </a:p>
@@ -1576,7 +1576,7 @@
           <a:p>
             <a:fld id="{06519B60-C121-1946-A2A6-F2277F17FD7F}" type="datetimeFigureOut">
               <a:rPr lang="fr-FR" smtClean="0"/>
-              <a:t>09/03/2021</a:t>
+              <a:t>30/03/2021</a:t>
             </a:fld>
             <a:endParaRPr lang="fr-FR"/>
           </a:p>
@@ -1689,7 +1689,7 @@
           <a:p>
             <a:fld id="{06519B60-C121-1946-A2A6-F2277F17FD7F}" type="datetimeFigureOut">
               <a:rPr lang="fr-FR" smtClean="0"/>
-              <a:t>09/03/2021</a:t>
+              <a:t>30/03/2021</a:t>
             </a:fld>
             <a:endParaRPr lang="fr-FR"/>
           </a:p>
@@ -1779,7 +1779,7 @@
           <a:p>
             <a:fld id="{06519B60-C121-1946-A2A6-F2277F17FD7F}" type="datetimeFigureOut">
               <a:rPr lang="fr-FR" smtClean="0"/>
-              <a:t>09/03/2021</a:t>
+              <a:t>30/03/2021</a:t>
             </a:fld>
             <a:endParaRPr lang="fr-FR"/>
           </a:p>
@@ -2051,7 +2051,7 @@
           <a:p>
             <a:fld id="{06519B60-C121-1946-A2A6-F2277F17FD7F}" type="datetimeFigureOut">
               <a:rPr lang="fr-FR" smtClean="0"/>
-              <a:t>09/03/2021</a:t>
+              <a:t>30/03/2021</a:t>
             </a:fld>
             <a:endParaRPr lang="fr-FR"/>
           </a:p>
@@ -2303,7 +2303,7 @@
           <a:p>
             <a:fld id="{06519B60-C121-1946-A2A6-F2277F17FD7F}" type="datetimeFigureOut">
               <a:rPr lang="fr-FR" smtClean="0"/>
-              <a:t>09/03/2021</a:t>
+              <a:t>30/03/2021</a:t>
             </a:fld>
             <a:endParaRPr lang="fr-FR"/>
           </a:p>
@@ -2511,7 +2511,7 @@
           <a:p>
             <a:fld id="{06519B60-C121-1946-A2A6-F2277F17FD7F}" type="datetimeFigureOut">
               <a:rPr lang="fr-FR" smtClean="0"/>
-              <a:t>09/03/2021</a:t>
+              <a:t>30/03/2021</a:t>
             </a:fld>
             <a:endParaRPr lang="fr-FR"/>
           </a:p>
@@ -3001,8 +3001,8 @@
         </p:nvSpPr>
         <p:spPr>
           <a:xfrm>
-            <a:off x="464630" y="607414"/>
-            <a:ext cx="1869779" cy="1615827"/>
+            <a:off x="453410" y="433513"/>
+            <a:ext cx="1869779" cy="1785104"/>
           </a:xfrm>
           <a:prstGeom prst="rect">
             <a:avLst/>
@@ -3020,22 +3020,27 @@
             </a:pPr>
             <a:r>
               <a:rPr lang="fr-FR" sz="1100" dirty="0">
+                <a:latin typeface="Roboto"/>
                 <a:ea typeface="Arial" charset="0"/>
                 <a:cs typeface="Arial" charset="0"/>
               </a:rPr>
-              <a:t>Passionnée par les nouvelles technologies, je me suis reconvertis dans les métiers du numérique. J’ai d’abord passé un DUT Informatique, puis une Licence.</a:t>
-            </a:r>
-          </a:p>
-          <a:p>
-            <a:pPr algn="just" defTabSz="685800">
-              <a:defRPr/>
-            </a:pPr>
-            <a:r>
-              <a:rPr lang="fr-FR" sz="1100" dirty="0">
+              <a:t>Passionnée par les nouvelles technologies, je me suis reconvertis dans les métiers du numérique. J’ai d’abord passé un DUT Informatique, puis une </a:t>
+            </a:r>
+            <a:r>
+              <a:rPr lang="fr-FR" sz="1100" dirty="0" smtClean="0">
+                <a:latin typeface="Roboto"/>
                 <a:ea typeface="Arial" charset="0"/>
                 <a:cs typeface="Arial" charset="0"/>
               </a:rPr>
-              <a:t>Je suis de nature passionnée, motivée, je suis prête à relever des nouveaux défis.</a:t>
+              <a:t>Licence. Je </a:t>
+            </a:r>
+            <a:r>
+              <a:rPr lang="fr-FR" sz="1100" dirty="0">
+                <a:latin typeface="Roboto"/>
+                <a:ea typeface="Arial" charset="0"/>
+                <a:cs typeface="Arial" charset="0"/>
+              </a:rPr>
+              <a:t>suis de nature passionnée, motivée, je suis prête à relever des nouveaux défis.</a:t>
             </a:r>
           </a:p>
         </p:txBody>
@@ -3049,7 +3054,7 @@
         <p:spPr>
           <a:xfrm>
             <a:off x="464630" y="217997"/>
-            <a:ext cx="1064459" cy="338554"/>
+            <a:ext cx="980910" cy="276999"/>
           </a:xfrm>
           <a:prstGeom prst="rect">
             <a:avLst/>
@@ -3062,7 +3067,9 @@
           <a:lstStyle/>
           <a:p>
             <a:r>
-              <a:rPr lang="fr-FR" sz="1600" dirty="0"/>
+              <a:rPr lang="fr-FR" sz="1200" dirty="0">
+                <a:latin typeface="Roboto"/>
+              </a:rPr>
               <a:t>A PROPOS</a:t>
             </a:r>
           </a:p>
@@ -3099,9 +3106,10 @@
           <a:p>
             <a:pPr algn="ctr"/>
             <a:r>
-              <a:rPr lang="fr-FR" dirty="0"/>
-              <a:t>Administratrice Réseau</a:t>
-            </a:r>
+              <a:rPr lang="fr-FR" dirty="0" smtClean="0"/>
+              <a:t>Développeur Web et Web Mobile</a:t>
+            </a:r>
+            <a:endParaRPr lang="fr-FR" dirty="0"/>
           </a:p>
         </p:txBody>
       </p:sp>
@@ -3550,7 +3558,7 @@
         <p:spPr>
           <a:xfrm>
             <a:off x="5133436" y="223564"/>
-            <a:ext cx="971100" cy="338554"/>
+            <a:ext cx="917046" cy="276999"/>
           </a:xfrm>
           <a:prstGeom prst="rect">
             <a:avLst/>
@@ -3563,7 +3571,9 @@
           <a:lstStyle/>
           <a:p>
             <a:r>
-              <a:rPr lang="fr-FR" sz="1600" dirty="0"/>
+              <a:rPr lang="fr-FR" sz="1200" dirty="0">
+                <a:latin typeface="Roboto"/>
+              </a:rPr>
               <a:t>CONTACT</a:t>
             </a:r>
           </a:p>

--- a/CV/CV-KP.pptx
+++ b/CV/CV-KP.pptx
@@ -5598,8 +5598,8 @@
         </p:nvSpPr>
         <p:spPr>
           <a:xfrm>
-            <a:off x="2036653" y="8857474"/>
-            <a:ext cx="1420545" cy="131491"/>
+            <a:off x="2036653" y="8857475"/>
+            <a:ext cx="872953" cy="113080"/>
           </a:xfrm>
           <a:prstGeom prst="rect">
             <a:avLst/>
